--- a/Ping Pong.pptx
+++ b/Ping Pong.pptx
@@ -7,6 +7,7 @@
   <p:sldIdLst>
     <p:sldId id="256" r:id="rId2"/>
     <p:sldId id="259" r:id="rId3"/>
+    <p:sldId id="260" r:id="rId4"/>
   </p:sldIdLst>
   <p:sldSz cx="12192000" cy="6858000"/>
   <p:notesSz cx="6858000" cy="9144000"/>
@@ -2210,8 +2211,8 @@
   </pc:docChgLst>
   <pc:docChgLst>
     <pc:chgData name="Kostadin Mishev" userId="bde7404321c54893" providerId="LiveId" clId="{223F9CA0-D5D9-47DB-8C53-843FBCF5BEA3}"/>
-    <pc:docChg chg="undo redo custSel modSld">
-      <pc:chgData name="Kostadin Mishev" userId="bde7404321c54893" providerId="LiveId" clId="{223F9CA0-D5D9-47DB-8C53-843FBCF5BEA3}" dt="2023-05-13T22:28:40.561" v="141"/>
+    <pc:docChg chg="undo redo custSel addSld modSld">
+      <pc:chgData name="Kostadin Mishev" userId="bde7404321c54893" providerId="LiveId" clId="{223F9CA0-D5D9-47DB-8C53-843FBCF5BEA3}" dt="2023-05-13T22:54:28.344" v="215" actId="3626"/>
       <pc:docMkLst>
         <pc:docMk/>
       </pc:docMkLst>
@@ -2732,6 +2733,141 @@
             <ac:picMk id="2064" creationId="{8C2C7239-4348-86E6-A067-6D1790275F65}"/>
           </ac:picMkLst>
         </pc:picChg>
+      </pc:sldChg>
+      <pc:sldChg chg="addSp delSp modSp add mod modTransition modAnim">
+        <pc:chgData name="Kostadin Mishev" userId="bde7404321c54893" providerId="LiveId" clId="{223F9CA0-D5D9-47DB-8C53-843FBCF5BEA3}" dt="2023-05-13T22:54:28.344" v="215" actId="3626"/>
+        <pc:sldMkLst>
+          <pc:docMk/>
+          <pc:sldMk cId="3473183162" sldId="260"/>
+        </pc:sldMkLst>
+        <pc:spChg chg="del">
+          <ac:chgData name="Kostadin Mishev" userId="bde7404321c54893" providerId="LiveId" clId="{223F9CA0-D5D9-47DB-8C53-843FBCF5BEA3}" dt="2023-05-13T22:50:41.092" v="143" actId="478"/>
+          <ac:spMkLst>
+            <pc:docMk/>
+            <pc:sldMk cId="3473183162" sldId="260"/>
+            <ac:spMk id="27" creationId="{E93C4FFA-EFD3-1FFD-B81D-290B4EF5E4FC}"/>
+          </ac:spMkLst>
+        </pc:spChg>
+        <pc:spChg chg="add mod">
+          <ac:chgData name="Kostadin Mishev" userId="bde7404321c54893" providerId="LiveId" clId="{223F9CA0-D5D9-47DB-8C53-843FBCF5BEA3}" dt="2023-05-13T22:54:28.344" v="215" actId="3626"/>
+          <ac:spMkLst>
+            <pc:docMk/>
+            <pc:sldMk cId="3473183162" sldId="260"/>
+            <ac:spMk id="28" creationId="{0B4C4DDA-0013-C78A-10DC-9C62D53912AC}"/>
+          </ac:spMkLst>
+        </pc:spChg>
+        <pc:spChg chg="del">
+          <ac:chgData name="Kostadin Mishev" userId="bde7404321c54893" providerId="LiveId" clId="{223F9CA0-D5D9-47DB-8C53-843FBCF5BEA3}" dt="2023-05-13T22:50:41.092" v="143" actId="478"/>
+          <ac:spMkLst>
+            <pc:docMk/>
+            <pc:sldMk cId="3473183162" sldId="260"/>
+            <ac:spMk id="29" creationId="{73A1956E-F415-68EC-5CF2-DFF9B8A41E36}"/>
+          </ac:spMkLst>
+        </pc:spChg>
+        <pc:spChg chg="del">
+          <ac:chgData name="Kostadin Mishev" userId="bde7404321c54893" providerId="LiveId" clId="{223F9CA0-D5D9-47DB-8C53-843FBCF5BEA3}" dt="2023-05-13T22:50:41.092" v="143" actId="478"/>
+          <ac:spMkLst>
+            <pc:docMk/>
+            <pc:sldMk cId="3473183162" sldId="260"/>
+            <ac:spMk id="31" creationId="{DFD4CA48-AC05-BFDE-70E8-678FC81412A0}"/>
+          </ac:spMkLst>
+        </pc:spChg>
+        <pc:spChg chg="del">
+          <ac:chgData name="Kostadin Mishev" userId="bde7404321c54893" providerId="LiveId" clId="{223F9CA0-D5D9-47DB-8C53-843FBCF5BEA3}" dt="2023-05-13T22:50:41.092" v="143" actId="478"/>
+          <ac:spMkLst>
+            <pc:docMk/>
+            <pc:sldMk cId="3473183162" sldId="260"/>
+            <ac:spMk id="32" creationId="{A621E0AD-B79B-C703-D62B-7A0827D66A06}"/>
+          </ac:spMkLst>
+        </pc:spChg>
+        <pc:spChg chg="del">
+          <ac:chgData name="Kostadin Mishev" userId="bde7404321c54893" providerId="LiveId" clId="{223F9CA0-D5D9-47DB-8C53-843FBCF5BEA3}" dt="2023-05-13T22:50:41.092" v="143" actId="478"/>
+          <ac:spMkLst>
+            <pc:docMk/>
+            <pc:sldMk cId="3473183162" sldId="260"/>
+            <ac:spMk id="37" creationId="{EB06612D-696D-9787-8B43-BF59AFA46887}"/>
+          </ac:spMkLst>
+        </pc:spChg>
+        <pc:spChg chg="del">
+          <ac:chgData name="Kostadin Mishev" userId="bde7404321c54893" providerId="LiveId" clId="{223F9CA0-D5D9-47DB-8C53-843FBCF5BEA3}" dt="2023-05-13T22:50:41.092" v="143" actId="478"/>
+          <ac:spMkLst>
+            <pc:docMk/>
+            <pc:sldMk cId="3473183162" sldId="260"/>
+            <ac:spMk id="39" creationId="{75F1E25F-D018-98BA-670F-C538D3B26ACB}"/>
+          </ac:spMkLst>
+        </pc:spChg>
+        <pc:spChg chg="del">
+          <ac:chgData name="Kostadin Mishev" userId="bde7404321c54893" providerId="LiveId" clId="{223F9CA0-D5D9-47DB-8C53-843FBCF5BEA3}" dt="2023-05-13T22:50:41.092" v="143" actId="478"/>
+          <ac:spMkLst>
+            <pc:docMk/>
+            <pc:sldMk cId="3473183162" sldId="260"/>
+            <ac:spMk id="42" creationId="{C4E1EBC1-323C-395F-629C-E713BF85DA7E}"/>
+          </ac:spMkLst>
+        </pc:spChg>
+        <pc:spChg chg="del">
+          <ac:chgData name="Kostadin Mishev" userId="bde7404321c54893" providerId="LiveId" clId="{223F9CA0-D5D9-47DB-8C53-843FBCF5BEA3}" dt="2023-05-13T22:50:41.092" v="143" actId="478"/>
+          <ac:spMkLst>
+            <pc:docMk/>
+            <pc:sldMk cId="3473183162" sldId="260"/>
+            <ac:spMk id="46" creationId="{A7C2F58C-E5BE-B0E3-A246-E91585D438E3}"/>
+          </ac:spMkLst>
+        </pc:spChg>
+        <pc:spChg chg="del">
+          <ac:chgData name="Kostadin Mishev" userId="bde7404321c54893" providerId="LiveId" clId="{223F9CA0-D5D9-47DB-8C53-843FBCF5BEA3}" dt="2023-05-13T22:50:41.092" v="143" actId="478"/>
+          <ac:spMkLst>
+            <pc:docMk/>
+            <pc:sldMk cId="3473183162" sldId="260"/>
+            <ac:spMk id="47" creationId="{28B33958-F3F0-4C95-39C1-E072FF26E16F}"/>
+          </ac:spMkLst>
+        </pc:spChg>
+        <pc:grpChg chg="del">
+          <ac:chgData name="Kostadin Mishev" userId="bde7404321c54893" providerId="LiveId" clId="{223F9CA0-D5D9-47DB-8C53-843FBCF5BEA3}" dt="2023-05-13T22:50:41.092" v="143" actId="478"/>
+          <ac:grpSpMkLst>
+            <pc:docMk/>
+            <pc:sldMk cId="3473183162" sldId="260"/>
+            <ac:grpSpMk id="35" creationId="{F27B5008-F602-2971-4A9A-68068FA11742}"/>
+          </ac:grpSpMkLst>
+        </pc:grpChg>
+        <pc:grpChg chg="del">
+          <ac:chgData name="Kostadin Mishev" userId="bde7404321c54893" providerId="LiveId" clId="{223F9CA0-D5D9-47DB-8C53-843FBCF5BEA3}" dt="2023-05-13T22:50:41.092" v="143" actId="478"/>
+          <ac:grpSpMkLst>
+            <pc:docMk/>
+            <pc:sldMk cId="3473183162" sldId="260"/>
+            <ac:grpSpMk id="50" creationId="{F5B51783-94CA-0A86-03B2-3C650B98CD60}"/>
+          </ac:grpSpMkLst>
+        </pc:grpChg>
+        <pc:grpChg chg="del">
+          <ac:chgData name="Kostadin Mishev" userId="bde7404321c54893" providerId="LiveId" clId="{223F9CA0-D5D9-47DB-8C53-843FBCF5BEA3}" dt="2023-05-13T22:50:41.092" v="143" actId="478"/>
+          <ac:grpSpMkLst>
+            <pc:docMk/>
+            <pc:sldMk cId="3473183162" sldId="260"/>
+            <ac:grpSpMk id="58" creationId="{497BEA68-F63B-B815-B9A7-675B494DDBFA}"/>
+          </ac:grpSpMkLst>
+        </pc:grpChg>
+        <pc:grpChg chg="del">
+          <ac:chgData name="Kostadin Mishev" userId="bde7404321c54893" providerId="LiveId" clId="{223F9CA0-D5D9-47DB-8C53-843FBCF5BEA3}" dt="2023-05-13T22:50:41.092" v="143" actId="478"/>
+          <ac:grpSpMkLst>
+            <pc:docMk/>
+            <pc:sldMk cId="3473183162" sldId="260"/>
+            <ac:grpSpMk id="59" creationId="{10B47802-D21C-E9D3-D956-49F317206C61}"/>
+          </ac:grpSpMkLst>
+        </pc:grpChg>
+        <pc:grpChg chg="del">
+          <ac:chgData name="Kostadin Mishev" userId="bde7404321c54893" providerId="LiveId" clId="{223F9CA0-D5D9-47DB-8C53-843FBCF5BEA3}" dt="2023-05-13T22:50:41.092" v="143" actId="478"/>
+          <ac:grpSpMkLst>
+            <pc:docMk/>
+            <pc:sldMk cId="3473183162" sldId="260"/>
+            <ac:grpSpMk id="61" creationId="{4F8AFA67-E38B-DE40-9B7F-4663D284137D}"/>
+          </ac:grpSpMkLst>
+        </pc:grpChg>
+        <pc:grpChg chg="del">
+          <ac:chgData name="Kostadin Mishev" userId="bde7404321c54893" providerId="LiveId" clId="{223F9CA0-D5D9-47DB-8C53-843FBCF5BEA3}" dt="2023-05-13T22:50:41.092" v="143" actId="478"/>
+          <ac:grpSpMkLst>
+            <pc:docMk/>
+            <pc:sldMk cId="3473183162" sldId="260"/>
+            <ac:grpSpMk id="2048" creationId="{54178C2B-6784-AFBE-F8C3-8DE733733686}"/>
+          </ac:grpSpMkLst>
+        </pc:grpChg>
       </pc:sldChg>
     </pc:docChg>
   </pc:docChgLst>
@@ -13229,6 +13365,155 @@
 </p:sld>
 </file>
 
+<file path=ppt/slides/slide3.xml><?xml version="1.0" encoding="utf-8"?>
+<p:sld xmlns:a="http://schemas.openxmlformats.org/drawingml/2006/main" xmlns:r="http://schemas.openxmlformats.org/officeDocument/2006/relationships" xmlns:p="http://schemas.openxmlformats.org/presentationml/2006/main">
+  <p:cSld>
+    <p:bg>
+      <p:bgPr>
+        <a:blipFill dpi="0" rotWithShape="1">
+          <a:blip r:embed="rId2">
+            <a:lum/>
+          </a:blip>
+          <a:srcRect/>
+          <a:stretch>
+            <a:fillRect/>
+          </a:stretch>
+        </a:blipFill>
+        <a:effectLst/>
+      </p:bgPr>
+    </p:bg>
+    <p:spTree>
+      <p:nvGrpSpPr>
+        <p:cNvPr id="1" name=""/>
+        <p:cNvGrpSpPr/>
+        <p:nvPr/>
+      </p:nvGrpSpPr>
+      <p:grpSpPr>
+        <a:xfrm>
+          <a:off x="0" y="0"/>
+          <a:ext cx="0" cy="0"/>
+          <a:chOff x="0" y="0"/>
+          <a:chExt cx="0" cy="0"/>
+        </a:xfrm>
+      </p:grpSpPr>
+      <p:sp>
+        <p:nvSpPr>
+          <p:cNvPr id="28" name="TextBox 27">
+            <a:extLst>
+              <a:ext uri="{FF2B5EF4-FFF2-40B4-BE49-F238E27FC236}">
+                <a16:creationId xmlns:a16="http://schemas.microsoft.com/office/drawing/2014/main" id="{0B4C4DDA-0013-C78A-10DC-9C62D53912AC}"/>
+              </a:ext>
+            </a:extLst>
+          </p:cNvPr>
+          <p:cNvSpPr txBox="1"/>
+          <p:nvPr/>
+        </p:nvSpPr>
+        <p:spPr>
+          <a:xfrm>
+            <a:off x="0" y="1148080"/>
+            <a:ext cx="12192000" cy="3139321"/>
+          </a:xfrm>
+          <a:prstGeom prst="rect">
+            <a:avLst/>
+          </a:prstGeom>
+          <a:noFill/>
+        </p:spPr>
+        <p:txBody>
+          <a:bodyPr wrap="square" rtlCol="0">
+            <a:spAutoFit/>
+          </a:bodyPr>
+          <a:lstStyle/>
+          <a:p>
+            <a:pPr algn="ctr"/>
+            <a:r>
+              <a:rPr lang="en-US" sz="6600" dirty="0" err="1">
+                <a:solidFill>
+                  <a:schemeClr val="bg1"/>
+                </a:solidFill>
+                <a:latin typeface="Algerian" panose="04020705040A02060702" pitchFamily="82" charset="0"/>
+              </a:rPr>
+              <a:t>Tinkercad</a:t>
+            </a:r>
+            <a:r>
+              <a:rPr lang="en-US" sz="6600" dirty="0">
+                <a:solidFill>
+                  <a:schemeClr val="bg1"/>
+                </a:solidFill>
+                <a:latin typeface="Algerian" panose="04020705040A02060702" pitchFamily="82" charset="0"/>
+              </a:rPr>
+              <a:t> – </a:t>
+            </a:r>
+            <a:r>
+              <a:rPr lang="en-US" sz="6600" dirty="0">
+                <a:solidFill>
+                  <a:schemeClr val="bg1"/>
+                </a:solidFill>
+                <a:latin typeface="Algerian" panose="04020705040A02060702" pitchFamily="82" charset="0"/>
+                <a:hlinkClick r:id="rId3"/>
+              </a:rPr>
+              <a:t>click me</a:t>
+            </a:r>
+            <a:endParaRPr lang="en-US" sz="6600" dirty="0">
+              <a:solidFill>
+                <a:schemeClr val="bg1"/>
+              </a:solidFill>
+              <a:latin typeface="Algerian" panose="04020705040A02060702" pitchFamily="82" charset="0"/>
+            </a:endParaRPr>
+          </a:p>
+          <a:p>
+            <a:pPr algn="ctr"/>
+            <a:endParaRPr lang="en-US" sz="6600" dirty="0">
+              <a:solidFill>
+                <a:schemeClr val="bg1"/>
+              </a:solidFill>
+              <a:latin typeface="Algerian" panose="04020705040A02060702" pitchFamily="82" charset="0"/>
+            </a:endParaRPr>
+          </a:p>
+          <a:p>
+            <a:pPr algn="ctr"/>
+            <a:r>
+              <a:rPr lang="en-US" sz="6600" dirty="0">
+                <a:solidFill>
+                  <a:schemeClr val="bg1"/>
+                </a:solidFill>
+                <a:latin typeface="Algerian" panose="04020705040A02060702" pitchFamily="82" charset="0"/>
+              </a:rPr>
+              <a:t>Git Hub – </a:t>
+            </a:r>
+            <a:r>
+              <a:rPr lang="en-US" sz="6600" dirty="0">
+                <a:solidFill>
+                  <a:schemeClr val="bg1"/>
+                </a:solidFill>
+                <a:latin typeface="Algerian" panose="04020705040A02060702" pitchFamily="82" charset="0"/>
+                <a:hlinkClick r:id="rId4"/>
+              </a:rPr>
+              <a:t>click me</a:t>
+            </a:r>
+            <a:endParaRPr lang="bg-BG" sz="6600" dirty="0">
+              <a:solidFill>
+                <a:schemeClr val="bg1"/>
+              </a:solidFill>
+            </a:endParaRPr>
+          </a:p>
+        </p:txBody>
+      </p:sp>
+    </p:spTree>
+    <p:extLst>
+      <p:ext uri="{BB962C8B-B14F-4D97-AF65-F5344CB8AC3E}">
+        <p14:creationId xmlns:p14="http://schemas.microsoft.com/office/powerpoint/2010/main" val="3473183162"/>
+      </p:ext>
+    </p:extLst>
+  </p:cSld>
+  <p:clrMapOvr>
+    <a:masterClrMapping/>
+  </p:clrMapOvr>
+  <p:transition spd="slow">
+    <p:cover/>
+  </p:transition>
+</p:sld>
+</file>
+
 <file path=ppt/theme/theme1.xml><?xml version="1.0" encoding="utf-8"?>
 <a:theme xmlns:a="http://schemas.openxmlformats.org/drawingml/2006/main" name="Office Theme">
   <a:themeElements>
